--- a/立项ppt/基于马尔可夫链的音乐生成器.pptx
+++ b/立项ppt/基于马尔可夫链的音乐生成器.pptx
@@ -8,8 +8,9 @@
     <p:sldId id="256" r:id="rId2"/>
     <p:sldId id="257" r:id="rId3"/>
     <p:sldId id="258" r:id="rId4"/>
-    <p:sldId id="259" r:id="rId5"/>
-    <p:sldId id="260" r:id="rId6"/>
+    <p:sldId id="261" r:id="rId5"/>
+    <p:sldId id="259" r:id="rId6"/>
+    <p:sldId id="260" r:id="rId7"/>
   </p:sldIdLst>
   <p:sldSz cx="9144000" cy="6858000" type="screen4x3"/>
   <p:notesSz cx="6858000" cy="9144000"/>
@@ -247,7 +248,7 @@
           <a:p>
             <a:fld id="{F4A56151-DF88-4F28-9FD3-DBD1C238B2DA}" type="datetimeFigureOut">
               <a:rPr lang="zh-CN" altLang="en-US" smtClean="0"/>
-              <a:t>2019/1/3</a:t>
+              <a:t>2019/1/4</a:t>
             </a:fld>
             <a:endParaRPr lang="zh-CN" altLang="en-US"/>
           </a:p>
@@ -417,7 +418,7 @@
           <a:p>
             <a:fld id="{F4A56151-DF88-4F28-9FD3-DBD1C238B2DA}" type="datetimeFigureOut">
               <a:rPr lang="zh-CN" altLang="en-US" smtClean="0"/>
-              <a:t>2019/1/3</a:t>
+              <a:t>2019/1/4</a:t>
             </a:fld>
             <a:endParaRPr lang="zh-CN" altLang="en-US"/>
           </a:p>
@@ -597,7 +598,7 @@
           <a:p>
             <a:fld id="{F4A56151-DF88-4F28-9FD3-DBD1C238B2DA}" type="datetimeFigureOut">
               <a:rPr lang="zh-CN" altLang="en-US" smtClean="0"/>
-              <a:t>2019/1/3</a:t>
+              <a:t>2019/1/4</a:t>
             </a:fld>
             <a:endParaRPr lang="zh-CN" altLang="en-US"/>
           </a:p>
@@ -767,7 +768,7 @@
           <a:p>
             <a:fld id="{F4A56151-DF88-4F28-9FD3-DBD1C238B2DA}" type="datetimeFigureOut">
               <a:rPr lang="zh-CN" altLang="en-US" smtClean="0"/>
-              <a:t>2019/1/3</a:t>
+              <a:t>2019/1/4</a:t>
             </a:fld>
             <a:endParaRPr lang="zh-CN" altLang="en-US"/>
           </a:p>
@@ -1011,7 +1012,7 @@
           <a:p>
             <a:fld id="{F4A56151-DF88-4F28-9FD3-DBD1C238B2DA}" type="datetimeFigureOut">
               <a:rPr lang="zh-CN" altLang="en-US" smtClean="0"/>
-              <a:t>2019/1/3</a:t>
+              <a:t>2019/1/4</a:t>
             </a:fld>
             <a:endParaRPr lang="zh-CN" altLang="en-US"/>
           </a:p>
@@ -1243,7 +1244,7 @@
           <a:p>
             <a:fld id="{F4A56151-DF88-4F28-9FD3-DBD1C238B2DA}" type="datetimeFigureOut">
               <a:rPr lang="zh-CN" altLang="en-US" smtClean="0"/>
-              <a:t>2019/1/3</a:t>
+              <a:t>2019/1/4</a:t>
             </a:fld>
             <a:endParaRPr lang="zh-CN" altLang="en-US"/>
           </a:p>
@@ -1610,7 +1611,7 @@
           <a:p>
             <a:fld id="{F4A56151-DF88-4F28-9FD3-DBD1C238B2DA}" type="datetimeFigureOut">
               <a:rPr lang="zh-CN" altLang="en-US" smtClean="0"/>
-              <a:t>2019/1/3</a:t>
+              <a:t>2019/1/4</a:t>
             </a:fld>
             <a:endParaRPr lang="zh-CN" altLang="en-US"/>
           </a:p>
@@ -1728,7 +1729,7 @@
           <a:p>
             <a:fld id="{F4A56151-DF88-4F28-9FD3-DBD1C238B2DA}" type="datetimeFigureOut">
               <a:rPr lang="zh-CN" altLang="en-US" smtClean="0"/>
-              <a:t>2019/1/3</a:t>
+              <a:t>2019/1/4</a:t>
             </a:fld>
             <a:endParaRPr lang="zh-CN" altLang="en-US"/>
           </a:p>
@@ -1823,7 +1824,7 @@
           <a:p>
             <a:fld id="{F4A56151-DF88-4F28-9FD3-DBD1C238B2DA}" type="datetimeFigureOut">
               <a:rPr lang="zh-CN" altLang="en-US" smtClean="0"/>
-              <a:t>2019/1/3</a:t>
+              <a:t>2019/1/4</a:t>
             </a:fld>
             <a:endParaRPr lang="zh-CN" altLang="en-US"/>
           </a:p>
@@ -2100,7 +2101,7 @@
           <a:p>
             <a:fld id="{F4A56151-DF88-4F28-9FD3-DBD1C238B2DA}" type="datetimeFigureOut">
               <a:rPr lang="zh-CN" altLang="en-US" smtClean="0"/>
-              <a:t>2019/1/3</a:t>
+              <a:t>2019/1/4</a:t>
             </a:fld>
             <a:endParaRPr lang="zh-CN" altLang="en-US"/>
           </a:p>
@@ -2357,7 +2358,7 @@
           <a:p>
             <a:fld id="{F4A56151-DF88-4F28-9FD3-DBD1C238B2DA}" type="datetimeFigureOut">
               <a:rPr lang="zh-CN" altLang="en-US" smtClean="0"/>
-              <a:t>2019/1/3</a:t>
+              <a:t>2019/1/4</a:t>
             </a:fld>
             <a:endParaRPr lang="zh-CN" altLang="en-US"/>
           </a:p>
@@ -2570,7 +2571,7 @@
           <a:p>
             <a:fld id="{F4A56151-DF88-4F28-9FD3-DBD1C238B2DA}" type="datetimeFigureOut">
               <a:rPr lang="zh-CN" altLang="en-US" smtClean="0"/>
-              <a:t>2019/1/3</a:t>
+              <a:t>2019/1/4</a:t>
             </a:fld>
             <a:endParaRPr lang="zh-CN" altLang="en-US"/>
           </a:p>
@@ -2991,7 +2992,12 @@
             <p:ph type="ctrTitle"/>
           </p:nvPr>
         </p:nvSpPr>
-        <p:spPr/>
+        <p:spPr>
+          <a:xfrm>
+            <a:off x="685800" y="967666"/>
+            <a:ext cx="7772400" cy="2542297"/>
+          </a:xfrm>
+        </p:spPr>
         <p:txBody>
           <a:bodyPr anchor="ctr">
             <a:normAutofit/>
@@ -2999,7 +3005,9 @@
           <a:lstStyle/>
           <a:p>
             <a:r>
-              <a:rPr lang="en-US" altLang="zh-CN" sz="4400" dirty="0" err="1"/>
+              <a:rPr lang="en-US" altLang="zh-CN" sz="4400" dirty="0" err="1">
+                <a:latin typeface="Consolas" panose="020B0609020204030204" pitchFamily="49" charset="0"/>
+              </a:rPr>
               <a:t>JavaComposer</a:t>
             </a:r>
             <a:br>
@@ -3282,60 +3290,47 @@
           <a:p>
             <a:r>
               <a:rPr lang="zh-CN" altLang="en-US" dirty="0"/>
-              <a:t>主要模块</a:t>
-            </a:r>
-          </a:p>
-        </p:txBody>
-      </p:sp>
-      <p:sp>
-        <p:nvSpPr>
-          <p:cNvPr id="3" name="内容占位符 2">
+              <a:t>数据处理流程</a:t>
+            </a:r>
+          </a:p>
+        </p:txBody>
+      </p:sp>
+      <p:pic>
+        <p:nvPicPr>
+          <p:cNvPr id="18" name="图片 17">
             <a:extLst>
               <a:ext uri="{FF2B5EF4-FFF2-40B4-BE49-F238E27FC236}">
-                <a16:creationId xmlns:a16="http://schemas.microsoft.com/office/drawing/2014/main" id="{BA544DE5-43AD-41A0-B8F2-C8C7F6B1DE5F}"/>
+                <a16:creationId xmlns:a16="http://schemas.microsoft.com/office/drawing/2014/main" id="{8BD63C47-2340-4C66-9BCE-66D967C5F7B7}"/>
               </a:ext>
             </a:extLst>
           </p:cNvPr>
-          <p:cNvSpPr>
-            <a:spLocks noGrp="1"/>
-          </p:cNvSpPr>
-          <p:nvPr>
-            <p:ph idx="1"/>
-          </p:nvPr>
-        </p:nvSpPr>
-        <p:spPr/>
-        <p:txBody>
-          <a:bodyPr/>
-          <a:lstStyle/>
-          <a:p>
-            <a:r>
-              <a:rPr lang="zh-CN" altLang="en-US" dirty="0"/>
-              <a:t>此处有流程图（就是</a:t>
-            </a:r>
-            <a:r>
-              <a:rPr lang="en-US" altLang="zh-CN" dirty="0" err="1"/>
-              <a:t>qq</a:t>
-            </a:r>
-            <a:r>
-              <a:rPr lang="zh-CN" altLang="en-US" dirty="0"/>
-              <a:t>那张），正在</a:t>
-            </a:r>
-            <a:r>
-              <a:rPr lang="en-US" altLang="zh-CN" dirty="0" err="1"/>
-              <a:t>visio</a:t>
-            </a:r>
-            <a:r>
-              <a:rPr lang="zh-CN" altLang="en-US" dirty="0"/>
-              <a:t>制图</a:t>
-            </a:r>
-            <a:r>
-              <a:rPr lang="en-US" altLang="zh-CN" dirty="0"/>
-              <a:t>ING</a:t>
-            </a:r>
-            <a:endParaRPr lang="zh-CN" altLang="en-US" dirty="0"/>
-          </a:p>
-        </p:txBody>
-      </p:sp>
+          <p:cNvPicPr>
+            <a:picLocks noChangeAspect="1"/>
+          </p:cNvPicPr>
+          <p:nvPr/>
+        </p:nvPicPr>
+        <p:blipFill>
+          <a:blip r:embed="rId2">
+            <a:extLst>
+              <a:ext uri="{28A0092B-C50C-407E-A947-70E740481C1C}">
+                <a14:useLocalDpi xmlns:a14="http://schemas.microsoft.com/office/drawing/2010/main" val="0"/>
+              </a:ext>
+            </a:extLst>
+          </a:blip>
+          <a:stretch>
+            <a:fillRect/>
+          </a:stretch>
+        </p:blipFill>
+        <p:spPr>
+          <a:xfrm>
+            <a:off x="350898" y="2006355"/>
+            <a:ext cx="8442204" cy="3826275"/>
+          </a:xfrm>
+          <a:prstGeom prst="rect">
+            <a:avLst/>
+          </a:prstGeom>
+        </p:spPr>
+      </p:pic>
     </p:spTree>
     <p:extLst>
       <p:ext uri="{BB962C8B-B14F-4D97-AF65-F5344CB8AC3E}">
@@ -3371,6 +3366,102 @@
           <p:cNvPr id="2" name="标题 1">
             <a:extLst>
               <a:ext uri="{FF2B5EF4-FFF2-40B4-BE49-F238E27FC236}">
+                <a16:creationId xmlns:a16="http://schemas.microsoft.com/office/drawing/2014/main" id="{7F6013E7-CFEB-48D9-9067-E0FCAAB5F024}"/>
+              </a:ext>
+            </a:extLst>
+          </p:cNvPr>
+          <p:cNvSpPr>
+            <a:spLocks noGrp="1"/>
+          </p:cNvSpPr>
+          <p:nvPr>
+            <p:ph type="title"/>
+          </p:nvPr>
+        </p:nvSpPr>
+        <p:spPr/>
+        <p:txBody>
+          <a:bodyPr/>
+          <a:lstStyle/>
+          <a:p>
+            <a:r>
+              <a:rPr lang="zh-CN" altLang="en-US" dirty="0"/>
+              <a:t>类关系图</a:t>
+            </a:r>
+          </a:p>
+        </p:txBody>
+      </p:sp>
+      <p:pic>
+        <p:nvPicPr>
+          <p:cNvPr id="5" name="内容占位符 4">
+            <a:extLst>
+              <a:ext uri="{FF2B5EF4-FFF2-40B4-BE49-F238E27FC236}">
+                <a16:creationId xmlns:a16="http://schemas.microsoft.com/office/drawing/2014/main" id="{F33121E8-F157-442E-9FA8-F185B6E4D8B4}"/>
+              </a:ext>
+            </a:extLst>
+          </p:cNvPr>
+          <p:cNvPicPr>
+            <a:picLocks noGrp="1" noChangeAspect="1"/>
+          </p:cNvPicPr>
+          <p:nvPr>
+            <p:ph idx="1"/>
+          </p:nvPr>
+        </p:nvPicPr>
+        <p:blipFill>
+          <a:blip r:embed="rId2">
+            <a:extLst>
+              <a:ext uri="{28A0092B-C50C-407E-A947-70E740481C1C}">
+                <a14:useLocalDpi xmlns:a14="http://schemas.microsoft.com/office/drawing/2010/main" val="0"/>
+              </a:ext>
+            </a:extLst>
+          </a:blip>
+          <a:stretch>
+            <a:fillRect/>
+          </a:stretch>
+        </p:blipFill>
+        <p:spPr>
+          <a:xfrm>
+            <a:off x="261059" y="2115876"/>
+            <a:ext cx="8621882" cy="3867210"/>
+          </a:xfrm>
+          <a:prstGeom prst="rect">
+            <a:avLst/>
+          </a:prstGeom>
+        </p:spPr>
+      </p:pic>
+    </p:spTree>
+    <p:extLst>
+      <p:ext uri="{BB962C8B-B14F-4D97-AF65-F5344CB8AC3E}">
+        <p14:creationId xmlns:p14="http://schemas.microsoft.com/office/powerpoint/2010/main" val="3668728348"/>
+      </p:ext>
+    </p:extLst>
+  </p:cSld>
+  <p:clrMapOvr>
+    <a:masterClrMapping/>
+  </p:clrMapOvr>
+</p:sld>
+</file>
+
+<file path=ppt/slides/slide5.xml><?xml version="1.0" encoding="utf-8"?>
+<p:sld xmlns:a="http://schemas.openxmlformats.org/drawingml/2006/main" xmlns:r="http://schemas.openxmlformats.org/officeDocument/2006/relationships" xmlns:p="http://schemas.openxmlformats.org/presentationml/2006/main">
+  <p:cSld>
+    <p:spTree>
+      <p:nvGrpSpPr>
+        <p:cNvPr id="1" name=""/>
+        <p:cNvGrpSpPr/>
+        <p:nvPr/>
+      </p:nvGrpSpPr>
+      <p:grpSpPr>
+        <a:xfrm>
+          <a:off x="0" y="0"/>
+          <a:ext cx="0" cy="0"/>
+          <a:chOff x="0" y="0"/>
+          <a:chExt cx="0" cy="0"/>
+        </a:xfrm>
+      </p:grpSpPr>
+      <p:sp>
+        <p:nvSpPr>
+          <p:cNvPr id="2" name="标题 1">
+            <a:extLst>
+              <a:ext uri="{FF2B5EF4-FFF2-40B4-BE49-F238E27FC236}">
                 <a16:creationId xmlns:a16="http://schemas.microsoft.com/office/drawing/2014/main" id="{02951E2F-3E75-42F3-93D9-415BDDFC5D9B}"/>
               </a:ext>
             </a:extLst>
@@ -3486,6 +3577,21 @@
             <a:r>
               <a:rPr lang="zh-CN" altLang="en-US" dirty="0"/>
               <a:t>流程、游走控制</a:t>
+            </a:r>
+            <a:r>
+              <a:rPr lang="en-US" altLang="zh-CN" dirty="0"/>
+              <a:t>	100</a:t>
+            </a:r>
+            <a:r>
+              <a:rPr lang="zh-CN" altLang="en-US" dirty="0"/>
+              <a:t>行</a:t>
+            </a:r>
+            <a:endParaRPr lang="en-US" altLang="zh-CN" dirty="0"/>
+          </a:p>
+          <a:p>
+            <a:r>
+              <a:rPr lang="zh-CN" altLang="en-US" dirty="0"/>
+              <a:t>音符等数据结构</a:t>
             </a:r>
             <a:r>
               <a:rPr lang="en-US" altLang="zh-CN" dirty="0"/>
@@ -3512,7 +3618,7 @@
 </p:sld>
 </file>
 
-<file path=ppt/slides/slide5.xml><?xml version="1.0" encoding="utf-8"?>
+<file path=ppt/slides/slide6.xml><?xml version="1.0" encoding="utf-8"?>
 <p:sld xmlns:a="http://schemas.openxmlformats.org/drawingml/2006/main" xmlns:r="http://schemas.openxmlformats.org/officeDocument/2006/relationships" xmlns:p="http://schemas.openxmlformats.org/presentationml/2006/main">
   <p:cSld>
     <p:spTree>
